--- a/subpages/teaching/expdes/lectures/exp-3.pptx
+++ b/subpages/teaching/expdes/lectures/exp-3.pptx
@@ -239,7 +239,7 @@
           <a:p>
             <a:fld id="{FFF75CBB-A44A-9C4B-A8C6-25A992E0242E}" type="datetimeFigureOut">
               <a:rPr lang="en-US" smtClean="0"/>
-              <a:t>9/15/25</a:t>
+              <a:t>9/18/25</a:t>
             </a:fld>
             <a:endParaRPr lang="en-US"/>
           </a:p>
@@ -416,7 +416,7 @@
           <a:p>
             <a:fld id="{4F19B4D1-0A28-FA4A-9134-5F79B138F3AC}" type="datetimeFigureOut">
               <a:rPr lang="en-US" smtClean="0"/>
-              <a:t>9/15/25</a:t>
+              <a:t>9/18/25</a:t>
             </a:fld>
             <a:endParaRPr lang="en-US"/>
           </a:p>
@@ -812,7 +812,7 @@
           <a:p>
             <a:fld id="{2B908699-CE29-634D-83B5-1061B2BD35A6}" type="datetimeFigureOut">
               <a:rPr lang="en-US" smtClean="0"/>
-              <a:t>9/15/25</a:t>
+              <a:t>9/18/25</a:t>
             </a:fld>
             <a:endParaRPr lang="en-US" dirty="0"/>
           </a:p>
@@ -980,7 +980,7 @@
           <a:p>
             <a:fld id="{2B908699-CE29-634D-83B5-1061B2BD35A6}" type="datetimeFigureOut">
               <a:rPr lang="en-US" smtClean="0"/>
-              <a:t>9/15/25</a:t>
+              <a:t>9/18/25</a:t>
             </a:fld>
             <a:endParaRPr lang="en-US" dirty="0"/>
           </a:p>
@@ -1158,7 +1158,7 @@
           <a:p>
             <a:fld id="{2B908699-CE29-634D-83B5-1061B2BD35A6}" type="datetimeFigureOut">
               <a:rPr lang="en-US" smtClean="0"/>
-              <a:t>9/15/25</a:t>
+              <a:t>9/18/25</a:t>
             </a:fld>
             <a:endParaRPr lang="en-US" dirty="0"/>
           </a:p>
@@ -1326,7 +1326,7 @@
           <a:p>
             <a:fld id="{2B908699-CE29-634D-83B5-1061B2BD35A6}" type="datetimeFigureOut">
               <a:rPr lang="en-US" smtClean="0"/>
-              <a:t>9/15/25</a:t>
+              <a:t>9/18/25</a:t>
             </a:fld>
             <a:endParaRPr lang="en-US" dirty="0"/>
           </a:p>
@@ -1571,7 +1571,7 @@
           <a:p>
             <a:fld id="{2B908699-CE29-634D-83B5-1061B2BD35A6}" type="datetimeFigureOut">
               <a:rPr lang="en-US" smtClean="0"/>
-              <a:t>9/15/25</a:t>
+              <a:t>9/18/25</a:t>
             </a:fld>
             <a:endParaRPr lang="en-US" dirty="0"/>
           </a:p>
@@ -1800,7 +1800,7 @@
           <a:p>
             <a:fld id="{2B908699-CE29-634D-83B5-1061B2BD35A6}" type="datetimeFigureOut">
               <a:rPr lang="en-US" smtClean="0"/>
-              <a:t>9/15/25</a:t>
+              <a:t>9/18/25</a:t>
             </a:fld>
             <a:endParaRPr lang="en-US" dirty="0"/>
           </a:p>
@@ -2164,7 +2164,7 @@
           <a:p>
             <a:fld id="{2B908699-CE29-634D-83B5-1061B2BD35A6}" type="datetimeFigureOut">
               <a:rPr lang="en-US" smtClean="0"/>
-              <a:t>9/15/25</a:t>
+              <a:t>9/18/25</a:t>
             </a:fld>
             <a:endParaRPr lang="en-US" dirty="0"/>
           </a:p>
@@ -2281,7 +2281,7 @@
           <a:p>
             <a:fld id="{2B908699-CE29-634D-83B5-1061B2BD35A6}" type="datetimeFigureOut">
               <a:rPr lang="en-US" smtClean="0"/>
-              <a:t>9/15/25</a:t>
+              <a:t>9/18/25</a:t>
             </a:fld>
             <a:endParaRPr lang="en-US" dirty="0"/>
           </a:p>
@@ -2376,7 +2376,7 @@
           <a:p>
             <a:fld id="{2B908699-CE29-634D-83B5-1061B2BD35A6}" type="datetimeFigureOut">
               <a:rPr lang="en-US" smtClean="0"/>
-              <a:t>9/15/25</a:t>
+              <a:t>9/18/25</a:t>
             </a:fld>
             <a:endParaRPr lang="en-US" dirty="0"/>
           </a:p>
@@ -2651,7 +2651,7 @@
           <a:p>
             <a:fld id="{2B908699-CE29-634D-83B5-1061B2BD35A6}" type="datetimeFigureOut">
               <a:rPr lang="en-US" smtClean="0"/>
-              <a:t>9/15/25</a:t>
+              <a:t>9/18/25</a:t>
             </a:fld>
             <a:endParaRPr lang="en-US" dirty="0"/>
           </a:p>
@@ -2903,7 +2903,7 @@
           <a:p>
             <a:fld id="{2B908699-CE29-634D-83B5-1061B2BD35A6}" type="datetimeFigureOut">
               <a:rPr lang="en-US" smtClean="0"/>
-              <a:t>9/15/25</a:t>
+              <a:t>9/18/25</a:t>
             </a:fld>
             <a:endParaRPr lang="en-US" dirty="0"/>
           </a:p>
@@ -3114,7 +3114,7 @@
           <a:p>
             <a:fld id="{2B908699-CE29-634D-83B5-1061B2BD35A6}" type="datetimeFigureOut">
               <a:rPr lang="en-US" smtClean="0"/>
-              <a:t>9/15/25</a:t>
+              <a:t>9/18/25</a:t>
             </a:fld>
             <a:endParaRPr lang="en-US" dirty="0"/>
           </a:p>
